--- a/invertir-lista/Invertir lista.pptx
+++ b/invertir-lista/Invertir lista.pptx
@@ -1718,7 +1718,7 @@
           <a:bodyPr lIns="0" rIns="0" tIns="0" bIns="0"/>
           <a:p>
             <a:pPr algn="r"/>
-            <a:fld id="{AD9BAFDD-3C54-456A-A43B-8C61EDAABD31}" type="slidenum">
+            <a:fld id="{55ADD365-251C-4558-BA8B-C2B978A62890}" type="slidenum">
               <a:rPr b="0" lang="es-MX" sz="1400" spc="-1" strike="noStrike">
                 <a:latin typeface="Arial"/>
               </a:rPr>
@@ -1970,7 +1970,13 @@
               <a:rPr b="0" lang="es-MX" sz="2600" spc="-1" strike="noStrike">
                 <a:latin typeface="Arial"/>
               </a:rPr>
-              <a:t>Devuelve el valor del thread en el eje x dentro del bloque en el que se este trabjando</a:t>
+              <a:t>threadIdx.x: Devuelve el valor del thread en el eje x dentro del bloque en el que se este </a:t>
+            </a:r>
+            <a:r>
+              <a:rPr b="0" lang="es-MX" sz="2600" spc="-1" strike="noStrike">
+                <a:latin typeface="Arial"/>
+              </a:rPr>
+              <a:t>trabajando</a:t>
             </a:r>
             <a:endParaRPr b="0" lang="es-MX" sz="2600" spc="-1" strike="noStrike">
               <a:latin typeface="Arial"/>
@@ -1992,7 +1998,51 @@
               <a:rPr b="0" lang="es-MX" sz="2600" spc="-1" strike="noStrike">
                 <a:latin typeface="Arial"/>
               </a:rPr>
-              <a:t>cudaMallo</a:t>
+              <a:t>cudaMalloc:  Reserva espacio de memoria en la GPU</a:t>
+            </a:r>
+            <a:endParaRPr b="0" lang="es-MX" sz="2600" spc="-1" strike="noStrike">
+              <a:latin typeface="Arial"/>
+            </a:endParaRPr>
+          </a:p>
+          <a:p>
+            <a:pPr marL="432000" indent="-324000">
+              <a:spcAft>
+                <a:spcPts val="1148"/>
+              </a:spcAft>
+              <a:buClr>
+                <a:srgbClr val="000000"/>
+              </a:buClr>
+              <a:buSzPct val="45000"/>
+              <a:buFont typeface="Wingdings" charset="2"/>
+              <a:buChar char=""/>
+            </a:pPr>
+            <a:r>
+              <a:rPr b="0" lang="es-MX" sz="2600" spc="-1" strike="noStrike">
+                <a:latin typeface="Arial"/>
+              </a:rPr>
+              <a:t>cudaMemcpy: Copia la informacion de la CPU a la GPU</a:t>
+            </a:r>
+            <a:endParaRPr b="0" lang="es-MX" sz="2600" spc="-1" strike="noStrike">
+              <a:latin typeface="Arial"/>
+            </a:endParaRPr>
+          </a:p>
+          <a:p>
+            <a:pPr marL="432000" indent="-324000">
+              <a:spcAft>
+                <a:spcPts val="1148"/>
+              </a:spcAft>
+              <a:buClr>
+                <a:srgbClr val="000000"/>
+              </a:buClr>
+              <a:buSzPct val="45000"/>
+              <a:buFont typeface="Wingdings" charset="2"/>
+              <a:buChar char=""/>
+            </a:pPr>
+            <a:r>
+              <a:rPr b="0" lang="es-MX" sz="2600" spc="-1" strike="noStrike">
+                <a:latin typeface="Arial"/>
+              </a:rPr>
+              <a:t>cudaFree: Libera el espacio de la GPU</a:t>
             </a:r>
             <a:endParaRPr b="0" lang="es-MX" sz="2600" spc="-1" strike="noStrike">
               <a:latin typeface="Arial"/>

--- a/invertir-lista/Invertir lista.pptx
+++ b/invertir-lista/Invertir lista.pptx
@@ -1718,7 +1718,7 @@
           <a:bodyPr lIns="0" rIns="0" tIns="0" bIns="0"/>
           <a:p>
             <a:pPr algn="r"/>
-            <a:fld id="{55ADD365-251C-4558-BA8B-C2B978A62890}" type="slidenum">
+            <a:fld id="{93EDD040-503E-4F3A-9B10-E5BDC5B477AE}" type="slidenum">
               <a:rPr b="0" lang="es-MX" sz="1400" spc="-1" strike="noStrike">
                 <a:latin typeface="Arial"/>
               </a:rPr>
